--- a/玉山一第一組.pptx
+++ b/玉山一第一組.pptx
@@ -5,7 +5,7 @@
     <p:sldMasterId id="2147483648" r:id="rId1"/>
   </p:sldMasterIdLst>
   <p:notesMasterIdLst>
-    <p:notesMasterId r:id="rId10"/>
+    <p:notesMasterId r:id="rId11"/>
   </p:notesMasterIdLst>
   <p:sldIdLst>
     <p:sldId id="256" r:id="rId2"/>
@@ -16,6 +16,7 @@
     <p:sldId id="263" r:id="rId7"/>
     <p:sldId id="265" r:id="rId8"/>
     <p:sldId id="260" r:id="rId9"/>
+    <p:sldId id="266" r:id="rId10"/>
   </p:sldIdLst>
   <p:sldSz cx="12192000" cy="6858000"/>
   <p:notesSz cx="6858000" cy="9144000"/>
@@ -10409,6 +10410,42 @@
           <a:chExt cx="0" cy="0"/>
         </a:xfrm>
       </p:grpSpPr>
+      <p:pic>
+        <p:nvPicPr>
+          <p:cNvPr id="6" name="圖片 5">
+            <a:extLst>
+              <a:ext uri="{FF2B5EF4-FFF2-40B4-BE49-F238E27FC236}">
+                <a16:creationId xmlns:a16="http://schemas.microsoft.com/office/drawing/2014/main" id="{55A9DF83-F9F6-774B-A485-112EDEFA191D}"/>
+              </a:ext>
+            </a:extLst>
+          </p:cNvPr>
+          <p:cNvPicPr>
+            <a:picLocks noChangeAspect="1"/>
+          </p:cNvPicPr>
+          <p:nvPr/>
+        </p:nvPicPr>
+        <p:blipFill>
+          <a:blip r:embed="rId2">
+            <a:extLst>
+              <a:ext uri="{28A0092B-C50C-407E-A947-70E740481C1C}">
+                <a14:useLocalDpi xmlns:a14="http://schemas.microsoft.com/office/drawing/2010/main" val="0"/>
+              </a:ext>
+            </a:extLst>
+          </a:blip>
+          <a:stretch>
+            <a:fillRect/>
+          </a:stretch>
+        </p:blipFill>
+        <p:spPr>
+          <a:xfrm>
+            <a:off x="777058" y="1133856"/>
+            <a:ext cx="3859132" cy="5660677"/>
+          </a:xfrm>
+          <a:prstGeom prst="rect">
+            <a:avLst/>
+          </a:prstGeom>
+        </p:spPr>
+      </p:pic>
       <p:sp>
         <p:nvSpPr>
           <p:cNvPr id="3" name="內容版面配置區 2">
@@ -10427,8 +10464,8 @@
         </p:nvSpPr>
         <p:spPr>
           <a:xfrm>
-            <a:off x="366860" y="1514540"/>
-            <a:ext cx="10515600" cy="4351338"/>
+            <a:off x="5355518" y="1514540"/>
+            <a:ext cx="5526942" cy="4351338"/>
           </a:xfrm>
         </p:spPr>
         <p:txBody>
@@ -10447,8 +10484,6 @@
               <a:rPr lang="zh-TW" altLang="en-US" dirty="0"/>
               <a:t>的模型做異常偵測</a:t>
             </a:r>
-          </a:p>
-          <a:p>
             <a:endParaRPr lang="en-US" altLang="zh-TW" dirty="0"/>
           </a:p>
           <a:p>
@@ -10522,6 +10557,96 @@
                 <a:ea typeface="微軟正黑體" panose="020B0604030504040204" pitchFamily="34" charset="-120"/>
               </a:rPr>
               <a:t>最小可行方案</a:t>
+            </a:r>
+          </a:p>
+        </p:txBody>
+      </p:sp>
+      <p:sp>
+        <p:nvSpPr>
+          <p:cNvPr id="7" name="矩形 6">
+            <a:extLst>
+              <a:ext uri="{FF2B5EF4-FFF2-40B4-BE49-F238E27FC236}">
+                <a16:creationId xmlns:a16="http://schemas.microsoft.com/office/drawing/2014/main" id="{DFFD930C-0B54-694D-A24D-FA430B088393}"/>
+              </a:ext>
+            </a:extLst>
+          </p:cNvPr>
+          <p:cNvSpPr/>
+          <p:nvPr/>
+        </p:nvSpPr>
+        <p:spPr>
+          <a:xfrm>
+            <a:off x="1938528" y="1352454"/>
+            <a:ext cx="2255520" cy="464154"/>
+          </a:xfrm>
+          <a:prstGeom prst="rect">
+            <a:avLst/>
+          </a:prstGeom>
+          <a:ln>
+            <a:noFill/>
+          </a:ln>
+        </p:spPr>
+        <p:style>
+          <a:lnRef idx="2">
+            <a:schemeClr val="accent1">
+              <a:shade val="50000"/>
+            </a:schemeClr>
+          </a:lnRef>
+          <a:fillRef idx="1">
+            <a:schemeClr val="accent1"/>
+          </a:fillRef>
+          <a:effectRef idx="0">
+            <a:schemeClr val="accent1"/>
+          </a:effectRef>
+          <a:fontRef idx="minor">
+            <a:schemeClr val="lt1"/>
+          </a:fontRef>
+        </p:style>
+        <p:txBody>
+          <a:bodyPr rtlCol="0" anchor="ctr"/>
+          <a:lstStyle/>
+          <a:p>
+            <a:pPr algn="ctr"/>
+            <a:endParaRPr kumimoji="1" lang="zh-TW" altLang="en-US"/>
+          </a:p>
+        </p:txBody>
+      </p:sp>
+      <p:sp>
+        <p:nvSpPr>
+          <p:cNvPr id="2" name="文字方塊 1">
+            <a:extLst>
+              <a:ext uri="{FF2B5EF4-FFF2-40B4-BE49-F238E27FC236}">
+                <a16:creationId xmlns:a16="http://schemas.microsoft.com/office/drawing/2014/main" id="{ED41F7B8-7A07-8642-AE0F-C2A6A49498C3}"/>
+              </a:ext>
+            </a:extLst>
+          </p:cNvPr>
+          <p:cNvSpPr txBox="1"/>
+          <p:nvPr/>
+        </p:nvSpPr>
+        <p:spPr>
+          <a:xfrm>
+            <a:off x="2154936" y="1438351"/>
+            <a:ext cx="1822704" cy="338554"/>
+          </a:xfrm>
+          <a:prstGeom prst="rect">
+            <a:avLst/>
+          </a:prstGeom>
+          <a:noFill/>
+        </p:spPr>
+        <p:txBody>
+          <a:bodyPr wrap="square" rtlCol="0">
+            <a:spAutoFit/>
+          </a:bodyPr>
+          <a:lstStyle/>
+          <a:p>
+            <a:r>
+              <a:rPr kumimoji="1" lang="zh-TW" altLang="en-US" sz="1600" dirty="0">
+                <a:solidFill>
+                  <a:schemeClr val="bg1"/>
+                </a:solidFill>
+                <a:latin typeface="Kaiti SC" panose="02010600040101010101" pitchFamily="2" charset="-122"/>
+                <a:ea typeface="Kaiti SC" panose="02010600040101010101" pitchFamily="2" charset="-122"/>
+              </a:rPr>
+              <a:t>玉 山 警 示 系 統</a:t>
             </a:r>
           </a:p>
         </p:txBody>
@@ -11842,6 +11967,144 @@
     <p:extLst>
       <p:ext uri="{BB962C8B-B14F-4D97-AF65-F5344CB8AC3E}">
         <p14:creationId xmlns:p14="http://schemas.microsoft.com/office/powerpoint/2010/main" val="839875220"/>
+      </p:ext>
+    </p:extLst>
+  </p:cSld>
+  <p:clrMapOvr>
+    <a:masterClrMapping/>
+  </p:clrMapOvr>
+</p:sld>
+</file>
+
+<file path=ppt/slides/slide9.xml><?xml version="1.0" encoding="utf-8"?>
+<p:sld xmlns:a="http://schemas.openxmlformats.org/drawingml/2006/main" xmlns:r="http://schemas.openxmlformats.org/officeDocument/2006/relationships" xmlns:p="http://schemas.openxmlformats.org/presentationml/2006/main">
+  <p:cSld>
+    <p:spTree>
+      <p:nvGrpSpPr>
+        <p:cNvPr id="1" name=""/>
+        <p:cNvGrpSpPr/>
+        <p:nvPr/>
+      </p:nvGrpSpPr>
+      <p:grpSpPr>
+        <a:xfrm>
+          <a:off x="0" y="0"/>
+          <a:ext cx="0" cy="0"/>
+          <a:chOff x="0" y="0"/>
+          <a:chExt cx="0" cy="0"/>
+        </a:xfrm>
+      </p:grpSpPr>
+      <p:sp>
+        <p:nvSpPr>
+          <p:cNvPr id="3" name="矩形 2">
+            <a:extLst>
+              <a:ext uri="{FF2B5EF4-FFF2-40B4-BE49-F238E27FC236}">
+                <a16:creationId xmlns:a16="http://schemas.microsoft.com/office/drawing/2014/main" id="{23003AFC-603F-074B-A65F-7219CBBA5C4E}"/>
+              </a:ext>
+            </a:extLst>
+          </p:cNvPr>
+          <p:cNvSpPr/>
+          <p:nvPr/>
+        </p:nvSpPr>
+        <p:spPr>
+          <a:xfrm>
+            <a:off x="497264" y="469073"/>
+            <a:ext cx="11197472" cy="6023802"/>
+          </a:xfrm>
+          <a:prstGeom prst="rect">
+            <a:avLst/>
+          </a:prstGeom>
+          <a:solidFill>
+            <a:srgbClr val="8391A8"/>
+          </a:solidFill>
+          <a:ln>
+            <a:solidFill>
+              <a:schemeClr val="accent1">
+                <a:lumMod val="40000"/>
+                <a:lumOff val="60000"/>
+              </a:schemeClr>
+            </a:solidFill>
+          </a:ln>
+        </p:spPr>
+        <p:style>
+          <a:lnRef idx="2">
+            <a:schemeClr val="accent3">
+              <a:shade val="50000"/>
+            </a:schemeClr>
+          </a:lnRef>
+          <a:fillRef idx="1">
+            <a:schemeClr val="accent3"/>
+          </a:fillRef>
+          <a:effectRef idx="0">
+            <a:schemeClr val="accent3"/>
+          </a:effectRef>
+          <a:fontRef idx="minor">
+            <a:schemeClr val="lt1"/>
+          </a:fontRef>
+        </p:style>
+        <p:txBody>
+          <a:bodyPr rtlCol="0" anchor="ctr"/>
+          <a:lstStyle/>
+          <a:p>
+            <a:pPr algn="ctr"/>
+            <a:endParaRPr lang="zh-TW" altLang="en-US" dirty="0">
+              <a:solidFill>
+                <a:schemeClr val="accent1">
+                  <a:lumMod val="60000"/>
+                  <a:lumOff val="40000"/>
+                </a:schemeClr>
+              </a:solidFill>
+            </a:endParaRPr>
+          </a:p>
+        </p:txBody>
+      </p:sp>
+      <p:sp>
+        <p:nvSpPr>
+          <p:cNvPr id="2" name="標題 1">
+            <a:extLst>
+              <a:ext uri="{FF2B5EF4-FFF2-40B4-BE49-F238E27FC236}">
+                <a16:creationId xmlns:a16="http://schemas.microsoft.com/office/drawing/2014/main" id="{2CB15CAE-3439-3F48-A38A-60E8A3280F30}"/>
+              </a:ext>
+            </a:extLst>
+          </p:cNvPr>
+          <p:cNvSpPr>
+            <a:spLocks noGrp="1"/>
+          </p:cNvSpPr>
+          <p:nvPr>
+            <p:ph type="title"/>
+          </p:nvPr>
+        </p:nvSpPr>
+        <p:spPr>
+          <a:xfrm>
+            <a:off x="679704" y="1948147"/>
+            <a:ext cx="10515600" cy="1325563"/>
+          </a:xfrm>
+        </p:spPr>
+        <p:txBody>
+          <a:bodyPr>
+            <a:normAutofit/>
+          </a:bodyPr>
+          <a:lstStyle/>
+          <a:p>
+            <a:r>
+              <a:rPr kumimoji="1" lang="en-US" altLang="zh-TW" sz="5400" dirty="0">
+                <a:solidFill>
+                  <a:schemeClr val="bg1"/>
+                </a:solidFill>
+              </a:rPr>
+              <a:t>Thank for your listening!</a:t>
+            </a:r>
+            <a:endParaRPr kumimoji="1" lang="zh-TW" altLang="en-US" sz="5400" dirty="0">
+              <a:solidFill>
+                <a:schemeClr val="bg1"/>
+              </a:solidFill>
+            </a:endParaRPr>
+          </a:p>
+        </p:txBody>
+      </p:sp>
+    </p:spTree>
+    <p:extLst>
+      <p:ext uri="{BB962C8B-B14F-4D97-AF65-F5344CB8AC3E}">
+        <p14:creationId xmlns:p14="http://schemas.microsoft.com/office/powerpoint/2010/main" val="3015983552"/>
       </p:ext>
     </p:extLst>
   </p:cSld>
